--- a/OngBoonPing_A0195172B_CaoLiang_A0012884E_PracticeModule_Presentation.pptx
+++ b/OngBoonPing_A0195172B_CaoLiang_A0012884E_PracticeModule_Presentation.pptx
@@ -1089,14 +1089,35 @@
         </dgm:presLayoutVars>
       </dgm:prSet>
       <dgm:spPr/>
+      <dgm:t>
+        <a:bodyPr/>
+        <a:lstStyle/>
+        <a:p>
+          <a:endParaRPr lang="en-US"/>
+        </a:p>
+      </dgm:t>
     </dgm:pt>
     <dgm:pt modelId="{4B5D39CA-8147-4B81-8770-5E31FC6D1CFB}" type="pres">
       <dgm:prSet presAssocID="{91D0FCC9-0385-42AC-A8E5-78283D5D669C}" presName="sibTrans" presStyleLbl="sibTrans2D1" presStyleIdx="0" presStyleCnt="3"/>
       <dgm:spPr/>
+      <dgm:t>
+        <a:bodyPr/>
+        <a:lstStyle/>
+        <a:p>
+          <a:endParaRPr lang="en-US"/>
+        </a:p>
+      </dgm:t>
     </dgm:pt>
     <dgm:pt modelId="{41341A21-0806-411D-A443-625FA97E4491}" type="pres">
       <dgm:prSet presAssocID="{91D0FCC9-0385-42AC-A8E5-78283D5D669C}" presName="connectorText" presStyleLbl="sibTrans2D1" presStyleIdx="0" presStyleCnt="3"/>
       <dgm:spPr/>
+      <dgm:t>
+        <a:bodyPr/>
+        <a:lstStyle/>
+        <a:p>
+          <a:endParaRPr lang="en-US"/>
+        </a:p>
+      </dgm:t>
     </dgm:pt>
     <dgm:pt modelId="{EA5BC1ED-EB03-45BA-BC56-621EEE9BEBD1}" type="pres">
       <dgm:prSet presAssocID="{92249E20-58D4-4E75-BB12-FE5FBD54F135}" presName="node" presStyleLbl="node1" presStyleIdx="1" presStyleCnt="4">
@@ -1105,14 +1126,35 @@
         </dgm:presLayoutVars>
       </dgm:prSet>
       <dgm:spPr/>
+      <dgm:t>
+        <a:bodyPr/>
+        <a:lstStyle/>
+        <a:p>
+          <a:endParaRPr lang="en-US"/>
+        </a:p>
+      </dgm:t>
     </dgm:pt>
     <dgm:pt modelId="{95B3EF49-35D3-4519-9F1F-B39D5A0566E4}" type="pres">
       <dgm:prSet presAssocID="{0B72DC99-4E95-4ADB-960C-E769354E6A5D}" presName="sibTrans" presStyleLbl="sibTrans2D1" presStyleIdx="1" presStyleCnt="3"/>
       <dgm:spPr/>
+      <dgm:t>
+        <a:bodyPr/>
+        <a:lstStyle/>
+        <a:p>
+          <a:endParaRPr lang="en-US"/>
+        </a:p>
+      </dgm:t>
     </dgm:pt>
     <dgm:pt modelId="{9B203DD1-3145-4590-8ACC-2517ACFE25A8}" type="pres">
       <dgm:prSet presAssocID="{0B72DC99-4E95-4ADB-960C-E769354E6A5D}" presName="connectorText" presStyleLbl="sibTrans2D1" presStyleIdx="1" presStyleCnt="3"/>
       <dgm:spPr/>
+      <dgm:t>
+        <a:bodyPr/>
+        <a:lstStyle/>
+        <a:p>
+          <a:endParaRPr lang="en-US"/>
+        </a:p>
+      </dgm:t>
     </dgm:pt>
     <dgm:pt modelId="{A37733E1-C31E-4430-AEEA-7CC4BDFAF84B}" type="pres">
       <dgm:prSet presAssocID="{38DD500D-6BEB-44F1-A480-39EBC85B7D1B}" presName="node" presStyleLbl="node1" presStyleIdx="2" presStyleCnt="4">
@@ -1121,14 +1163,35 @@
         </dgm:presLayoutVars>
       </dgm:prSet>
       <dgm:spPr/>
+      <dgm:t>
+        <a:bodyPr/>
+        <a:lstStyle/>
+        <a:p>
+          <a:endParaRPr lang="en-US"/>
+        </a:p>
+      </dgm:t>
     </dgm:pt>
     <dgm:pt modelId="{7300E7F4-ED3F-436A-A1F0-90BEABB46E71}" type="pres">
       <dgm:prSet presAssocID="{6D1E928F-781F-462C-A8AC-2A960BFDA67A}" presName="sibTrans" presStyleLbl="sibTrans2D1" presStyleIdx="2" presStyleCnt="3"/>
       <dgm:spPr/>
+      <dgm:t>
+        <a:bodyPr/>
+        <a:lstStyle/>
+        <a:p>
+          <a:endParaRPr lang="en-US"/>
+        </a:p>
+      </dgm:t>
     </dgm:pt>
     <dgm:pt modelId="{D7B13FD1-4A98-4993-ACFA-933B70FB5D81}" type="pres">
       <dgm:prSet presAssocID="{6D1E928F-781F-462C-A8AC-2A960BFDA67A}" presName="connectorText" presStyleLbl="sibTrans2D1" presStyleIdx="2" presStyleCnt="3"/>
       <dgm:spPr/>
+      <dgm:t>
+        <a:bodyPr/>
+        <a:lstStyle/>
+        <a:p>
+          <a:endParaRPr lang="en-US"/>
+        </a:p>
+      </dgm:t>
     </dgm:pt>
     <dgm:pt modelId="{F65F4BF1-A7B9-4C27-8B28-16C04C25982E}" type="pres">
       <dgm:prSet presAssocID="{764C4D4F-B7F7-4995-9F46-8E01C62C581B}" presName="node" presStyleLbl="node1" presStyleIdx="3" presStyleCnt="4">
@@ -1137,23 +1200,30 @@
         </dgm:presLayoutVars>
       </dgm:prSet>
       <dgm:spPr/>
+      <dgm:t>
+        <a:bodyPr/>
+        <a:lstStyle/>
+        <a:p>
+          <a:endParaRPr lang="en-US"/>
+        </a:p>
+      </dgm:t>
     </dgm:pt>
   </dgm:ptLst>
   <dgm:cxnLst>
+    <dgm:cxn modelId="{3EBFAACE-A4CF-4057-9EC8-3A59330D069F}" type="presOf" srcId="{69C95212-ACBD-498E-A011-59076A4285CB}" destId="{4D4E5D9B-DE30-46F3-864F-B20CBCB47B81}" srcOrd="0" destOrd="0" presId="urn:microsoft.com/office/officeart/2005/8/layout/process1"/>
+    <dgm:cxn modelId="{2D076695-4491-4B11-95EC-7786C59603C3}" type="presOf" srcId="{0B72DC99-4E95-4ADB-960C-E769354E6A5D}" destId="{95B3EF49-35D3-4519-9F1F-B39D5A0566E4}" srcOrd="0" destOrd="0" presId="urn:microsoft.com/office/officeart/2005/8/layout/process1"/>
+    <dgm:cxn modelId="{05EBE6A4-21D9-4E6D-96DC-9D3E50C88595}" type="presOf" srcId="{38DD500D-6BEB-44F1-A480-39EBC85B7D1B}" destId="{A37733E1-C31E-4430-AEEA-7CC4BDFAF84B}" srcOrd="0" destOrd="0" presId="urn:microsoft.com/office/officeart/2005/8/layout/process1"/>
+    <dgm:cxn modelId="{B7AF3A68-AEB3-4860-978B-B262BEBB9ECB}" type="presOf" srcId="{6D1E928F-781F-462C-A8AC-2A960BFDA67A}" destId="{7300E7F4-ED3F-436A-A1F0-90BEABB46E71}" srcOrd="0" destOrd="0" presId="urn:microsoft.com/office/officeart/2005/8/layout/process1"/>
+    <dgm:cxn modelId="{31005A28-3819-43FC-A794-27C122A41925}" srcId="{9496E0A2-784B-483A-9A32-E68AF617843D}" destId="{38DD500D-6BEB-44F1-A480-39EBC85B7D1B}" srcOrd="2" destOrd="0" parTransId="{3CE2BC79-A484-4240-A2CB-1BC232A1E53F}" sibTransId="{6D1E928F-781F-462C-A8AC-2A960BFDA67A}"/>
+    <dgm:cxn modelId="{01F09420-6EB0-4A7F-B4CE-2315FD06751C}" type="presOf" srcId="{6D1E928F-781F-462C-A8AC-2A960BFDA67A}" destId="{D7B13FD1-4A98-4993-ACFA-933B70FB5D81}" srcOrd="1" destOrd="0" presId="urn:microsoft.com/office/officeart/2005/8/layout/process1"/>
+    <dgm:cxn modelId="{1530AF90-D573-4EFA-A3BC-840C3370D71B}" srcId="{9496E0A2-784B-483A-9A32-E68AF617843D}" destId="{764C4D4F-B7F7-4995-9F46-8E01C62C581B}" srcOrd="3" destOrd="0" parTransId="{A6A82594-4016-4707-8656-642BA426B3D4}" sibTransId="{356D9044-9DCA-4929-92DF-A2BDE3B61A47}"/>
+    <dgm:cxn modelId="{D1CF8BBB-F3E6-4482-8B69-D1BE9774788E}" type="presOf" srcId="{91D0FCC9-0385-42AC-A8E5-78283D5D669C}" destId="{4B5D39CA-8147-4B81-8770-5E31FC6D1CFB}" srcOrd="0" destOrd="0" presId="urn:microsoft.com/office/officeart/2005/8/layout/process1"/>
+    <dgm:cxn modelId="{5E0FD1A2-149D-4CF9-AEE7-688223EDC542}" type="presOf" srcId="{764C4D4F-B7F7-4995-9F46-8E01C62C581B}" destId="{F65F4BF1-A7B9-4C27-8B28-16C04C25982E}" srcOrd="0" destOrd="0" presId="urn:microsoft.com/office/officeart/2005/8/layout/process1"/>
+    <dgm:cxn modelId="{79D506E8-F752-4BA4-B280-EF0BEBC86F63}" srcId="{9496E0A2-784B-483A-9A32-E68AF617843D}" destId="{92249E20-58D4-4E75-BB12-FE5FBD54F135}" srcOrd="1" destOrd="0" parTransId="{105B3AA3-CBE4-4ECA-BC44-B6DCA5E7A036}" sibTransId="{0B72DC99-4E95-4ADB-960C-E769354E6A5D}"/>
     <dgm:cxn modelId="{23BC981F-CC7C-4D5F-91BD-DE6EC72DB040}" srcId="{9496E0A2-784B-483A-9A32-E68AF617843D}" destId="{69C95212-ACBD-498E-A011-59076A4285CB}" srcOrd="0" destOrd="0" parTransId="{BF3D5BE3-835C-4027-9271-54CEA95A0702}" sibTransId="{91D0FCC9-0385-42AC-A8E5-78283D5D669C}"/>
-    <dgm:cxn modelId="{01F09420-6EB0-4A7F-B4CE-2315FD06751C}" type="presOf" srcId="{6D1E928F-781F-462C-A8AC-2A960BFDA67A}" destId="{D7B13FD1-4A98-4993-ACFA-933B70FB5D81}" srcOrd="1" destOrd="0" presId="urn:microsoft.com/office/officeart/2005/8/layout/process1"/>
-    <dgm:cxn modelId="{31005A28-3819-43FC-A794-27C122A41925}" srcId="{9496E0A2-784B-483A-9A32-E68AF617843D}" destId="{38DD500D-6BEB-44F1-A480-39EBC85B7D1B}" srcOrd="2" destOrd="0" parTransId="{3CE2BC79-A484-4240-A2CB-1BC232A1E53F}" sibTransId="{6D1E928F-781F-462C-A8AC-2A960BFDA67A}"/>
-    <dgm:cxn modelId="{B7AF3A68-AEB3-4860-978B-B262BEBB9ECB}" type="presOf" srcId="{6D1E928F-781F-462C-A8AC-2A960BFDA67A}" destId="{7300E7F4-ED3F-436A-A1F0-90BEABB46E71}" srcOrd="0" destOrd="0" presId="urn:microsoft.com/office/officeart/2005/8/layout/process1"/>
     <dgm:cxn modelId="{F4BB5269-9705-4D80-8BF8-3B73A8F8EE8D}" type="presOf" srcId="{91D0FCC9-0385-42AC-A8E5-78283D5D669C}" destId="{41341A21-0806-411D-A443-625FA97E4491}" srcOrd="1" destOrd="0" presId="urn:microsoft.com/office/officeart/2005/8/layout/process1"/>
     <dgm:cxn modelId="{FEAE6454-4E5D-4190-8A76-D27FC4FC4790}" type="presOf" srcId="{9496E0A2-784B-483A-9A32-E68AF617843D}" destId="{9EA8A120-7984-4A2B-9532-24393BA5D7A2}" srcOrd="0" destOrd="0" presId="urn:microsoft.com/office/officeart/2005/8/layout/process1"/>
     <dgm:cxn modelId="{F8BD9F76-8AA1-4A33-B686-C2C5DEA97305}" type="presOf" srcId="{0B72DC99-4E95-4ADB-960C-E769354E6A5D}" destId="{9B203DD1-3145-4590-8ACC-2517ACFE25A8}" srcOrd="1" destOrd="0" presId="urn:microsoft.com/office/officeart/2005/8/layout/process1"/>
-    <dgm:cxn modelId="{1530AF90-D573-4EFA-A3BC-840C3370D71B}" srcId="{9496E0A2-784B-483A-9A32-E68AF617843D}" destId="{764C4D4F-B7F7-4995-9F46-8E01C62C581B}" srcOrd="3" destOrd="0" parTransId="{A6A82594-4016-4707-8656-642BA426B3D4}" sibTransId="{356D9044-9DCA-4929-92DF-A2BDE3B61A47}"/>
-    <dgm:cxn modelId="{2D076695-4491-4B11-95EC-7786C59603C3}" type="presOf" srcId="{0B72DC99-4E95-4ADB-960C-E769354E6A5D}" destId="{95B3EF49-35D3-4519-9F1F-B39D5A0566E4}" srcOrd="0" destOrd="0" presId="urn:microsoft.com/office/officeart/2005/8/layout/process1"/>
-    <dgm:cxn modelId="{5E0FD1A2-149D-4CF9-AEE7-688223EDC542}" type="presOf" srcId="{764C4D4F-B7F7-4995-9F46-8E01C62C581B}" destId="{F65F4BF1-A7B9-4C27-8B28-16C04C25982E}" srcOrd="0" destOrd="0" presId="urn:microsoft.com/office/officeart/2005/8/layout/process1"/>
-    <dgm:cxn modelId="{05EBE6A4-21D9-4E6D-96DC-9D3E50C88595}" type="presOf" srcId="{38DD500D-6BEB-44F1-A480-39EBC85B7D1B}" destId="{A37733E1-C31E-4430-AEEA-7CC4BDFAF84B}" srcOrd="0" destOrd="0" presId="urn:microsoft.com/office/officeart/2005/8/layout/process1"/>
-    <dgm:cxn modelId="{D1CF8BBB-F3E6-4482-8B69-D1BE9774788E}" type="presOf" srcId="{91D0FCC9-0385-42AC-A8E5-78283D5D669C}" destId="{4B5D39CA-8147-4B81-8770-5E31FC6D1CFB}" srcOrd="0" destOrd="0" presId="urn:microsoft.com/office/officeart/2005/8/layout/process1"/>
-    <dgm:cxn modelId="{3EBFAACE-A4CF-4057-9EC8-3A59330D069F}" type="presOf" srcId="{69C95212-ACBD-498E-A011-59076A4285CB}" destId="{4D4E5D9B-DE30-46F3-864F-B20CBCB47B81}" srcOrd="0" destOrd="0" presId="urn:microsoft.com/office/officeart/2005/8/layout/process1"/>
-    <dgm:cxn modelId="{79D506E8-F752-4BA4-B280-EF0BEBC86F63}" srcId="{9496E0A2-784B-483A-9A32-E68AF617843D}" destId="{92249E20-58D4-4E75-BB12-FE5FBD54F135}" srcOrd="1" destOrd="0" parTransId="{105B3AA3-CBE4-4ECA-BC44-B6DCA5E7A036}" sibTransId="{0B72DC99-4E95-4ADB-960C-E769354E6A5D}"/>
     <dgm:cxn modelId="{099D99FB-52B2-434C-BA10-1675505A420B}" type="presOf" srcId="{92249E20-58D4-4E75-BB12-FE5FBD54F135}" destId="{EA5BC1ED-EB03-45BA-BC56-621EEE9BEBD1}" srcOrd="0" destOrd="0" presId="urn:microsoft.com/office/officeart/2005/8/layout/process1"/>
     <dgm:cxn modelId="{DA8115C2-D2F4-4CCB-9D90-0A509018B8F1}" type="presParOf" srcId="{9EA8A120-7984-4A2B-9532-24393BA5D7A2}" destId="{4D4E5D9B-DE30-46F3-864F-B20CBCB47B81}" srcOrd="0" destOrd="0" presId="urn:microsoft.com/office/officeart/2005/8/layout/process1"/>
     <dgm:cxn modelId="{0C3F32CC-6A85-4291-B66A-941971627454}" type="presParOf" srcId="{9EA8A120-7984-4A2B-9532-24393BA5D7A2}" destId="{4B5D39CA-8147-4B81-8770-5E31FC6D1CFB}" srcOrd="1" destOrd="0" presId="urn:microsoft.com/office/officeart/2005/8/layout/process1"/>
@@ -1241,7 +1311,7 @@
         </a:bodyPr>
         <a:lstStyle/>
         <a:p>
-          <a:pPr marL="0" lvl="0" indent="0" algn="ctr" defTabSz="844550">
+          <a:pPr lvl="0" algn="ctr" defTabSz="844550">
             <a:lnSpc>
               <a:spcPct val="90000"/>
             </a:lnSpc>
@@ -1251,7 +1321,6 @@
             <a:spcAft>
               <a:spcPct val="35000"/>
             </a:spcAft>
-            <a:buNone/>
           </a:pPr>
           <a:r>
             <a:rPr lang="en-US" sz="1900" kern="1200"/>
@@ -1314,7 +1383,7 @@
         </a:bodyPr>
         <a:lstStyle/>
         <a:p>
-          <a:pPr marL="0" lvl="0" indent="0" algn="ctr" defTabSz="666750">
+          <a:pPr lvl="0" algn="ctr" defTabSz="666750">
             <a:lnSpc>
               <a:spcPct val="90000"/>
             </a:lnSpc>
@@ -1324,7 +1393,6 @@
             <a:spcAft>
               <a:spcPct val="35000"/>
             </a:spcAft>
-            <a:buNone/>
           </a:pPr>
           <a:endParaRPr lang="en-US" sz="1500" kern="1200"/>
         </a:p>
@@ -1386,7 +1454,7 @@
         </a:bodyPr>
         <a:lstStyle/>
         <a:p>
-          <a:pPr marL="0" lvl="0" indent="0" algn="ctr" defTabSz="844550">
+          <a:pPr lvl="0" algn="ctr" defTabSz="844550">
             <a:lnSpc>
               <a:spcPct val="90000"/>
             </a:lnSpc>
@@ -1396,7 +1464,6 @@
             <a:spcAft>
               <a:spcPct val="35000"/>
             </a:spcAft>
-            <a:buNone/>
           </a:pPr>
           <a:r>
             <a:rPr lang="en-US" sz="1900" kern="1200"/>
@@ -1459,7 +1526,7 @@
         </a:bodyPr>
         <a:lstStyle/>
         <a:p>
-          <a:pPr marL="0" lvl="0" indent="0" algn="ctr" defTabSz="666750">
+          <a:pPr lvl="0" algn="ctr" defTabSz="666750">
             <a:lnSpc>
               <a:spcPct val="90000"/>
             </a:lnSpc>
@@ -1469,7 +1536,6 @@
             <a:spcAft>
               <a:spcPct val="35000"/>
             </a:spcAft>
-            <a:buNone/>
           </a:pPr>
           <a:endParaRPr lang="en-US" sz="1500" kern="1200"/>
         </a:p>
@@ -1531,7 +1597,7 @@
         </a:bodyPr>
         <a:lstStyle/>
         <a:p>
-          <a:pPr marL="0" lvl="0" indent="0" algn="ctr" defTabSz="844550">
+          <a:pPr lvl="0" algn="ctr" defTabSz="844550">
             <a:lnSpc>
               <a:spcPct val="90000"/>
             </a:lnSpc>
@@ -1541,7 +1607,6 @@
             <a:spcAft>
               <a:spcPct val="35000"/>
             </a:spcAft>
-            <a:buNone/>
           </a:pPr>
           <a:r>
             <a:rPr lang="en-US" sz="1900" kern="1200"/>
@@ -1604,7 +1669,7 @@
         </a:bodyPr>
         <a:lstStyle/>
         <a:p>
-          <a:pPr marL="0" lvl="0" indent="0" algn="ctr" defTabSz="666750">
+          <a:pPr lvl="0" algn="ctr" defTabSz="666750">
             <a:lnSpc>
               <a:spcPct val="90000"/>
             </a:lnSpc>
@@ -1614,7 +1679,6 @@
             <a:spcAft>
               <a:spcPct val="35000"/>
             </a:spcAft>
-            <a:buNone/>
           </a:pPr>
           <a:endParaRPr lang="en-US" sz="1500" kern="1200"/>
         </a:p>
@@ -1681,7 +1745,7 @@
         </a:bodyPr>
         <a:lstStyle/>
         <a:p>
-          <a:pPr marL="0" lvl="0" indent="0" algn="ctr" defTabSz="844550">
+          <a:pPr lvl="0" algn="ctr" defTabSz="844550">
             <a:lnSpc>
               <a:spcPct val="90000"/>
             </a:lnSpc>
@@ -1691,7 +1755,6 @@
             <a:spcAft>
               <a:spcPct val="35000"/>
             </a:spcAft>
-            <a:buNone/>
           </a:pPr>
           <a:r>
             <a:rPr lang="en-US" sz="1900" kern="1200"/>
@@ -3135,7 +3198,7 @@
           <a:p>
             <a:fld id="{EA4960E5-F060-4C88-B1C5-5A6F5890BEF6}" type="datetimeFigureOut">
               <a:rPr lang="en-SG" smtClean="0"/>
-              <a:t>7/11/2020</a:t>
+              <a:t>11/7/2020</a:t>
             </a:fld>
             <a:endParaRPr lang="en-SG" dirty="0"/>
           </a:p>
@@ -10087,7 +10150,7 @@
           <a:graphicData uri="http://schemas.openxmlformats.org/presentationml/2006/ole">
             <mc:AlternateContent xmlns:mc="http://schemas.openxmlformats.org/markup-compatibility/2006">
               <mc:Choice xmlns:v="urn:schemas-microsoft-com:vml" Requires="v">
-                <p:oleObj spid="_x0000_s2095" name="Bitmap Image" r:id="rId3" imgW="5014395" imgH="4572396" progId="Paint.Picture">
+                <p:oleObj spid="_x0000_s2096" name="Bitmap Image" r:id="rId3" imgW="5014395" imgH="4572396" progId="Paint.Picture">
                   <p:embed/>
                 </p:oleObj>
               </mc:Choice>
@@ -10468,7 +10531,7 @@
           <a:graphicData uri="http://schemas.openxmlformats.org/presentationml/2006/ole">
             <mc:AlternateContent xmlns:mc="http://schemas.openxmlformats.org/markup-compatibility/2006">
               <mc:Choice xmlns:v="urn:schemas-microsoft-com:vml" Requires="v">
-                <p:oleObj spid="_x0000_s6177" name="Bitmap Image" r:id="rId3" imgW="4915326" imgH="3505504" progId="Paint.Picture">
+                <p:oleObj spid="_x0000_s6178" name="Bitmap Image" r:id="rId3" imgW="4915326" imgH="3505504" progId="Paint.Picture">
                   <p:embed/>
                 </p:oleObj>
               </mc:Choice>
@@ -12469,7 +12532,7 @@
       </p:sp>
       <p:pic>
         <p:nvPicPr>
-          <p:cNvPr id="10" name="Picture 9"/>
+          <p:cNvPr id="7" name="Picture 6"/>
           <p:cNvPicPr>
             <a:picLocks noChangeAspect="1"/>
           </p:cNvPicPr>
@@ -12483,7 +12546,7 @@
         </p:blipFill>
         <p:spPr>
           <a:xfrm>
-            <a:off x="1072874" y="1313382"/>
+            <a:off x="1072874" y="1168899"/>
             <a:ext cx="6998251" cy="4520201"/>
           </a:xfrm>
           <a:prstGeom prst="rect">
